--- a/final_presentation/final_presentation.pptx
+++ b/final_presentation/final_presentation.pptx
@@ -15,10 +15,10 @@
     <p:sldId id="270" r:id="rId9"/>
     <p:sldId id="271" r:id="rId10"/>
     <p:sldId id="264" r:id="rId11"/>
-    <p:sldId id="262" r:id="rId12"/>
-    <p:sldId id="272" r:id="rId13"/>
-    <p:sldId id="273" r:id="rId14"/>
-    <p:sldId id="274" r:id="rId15"/>
+    <p:sldId id="272" r:id="rId12"/>
+    <p:sldId id="273" r:id="rId13"/>
+    <p:sldId id="274" r:id="rId14"/>
+    <p:sldId id="262" r:id="rId15"/>
     <p:sldId id="275" r:id="rId16"/>
     <p:sldId id="276" r:id="rId17"/>
     <p:sldId id="277" r:id="rId18"/>
@@ -26,6 +26,8 @@
     <p:sldId id="280" r:id="rId20"/>
     <p:sldId id="279" r:id="rId21"/>
     <p:sldId id="258" r:id="rId22"/>
+    <p:sldId id="282" r:id="rId23"/>
+    <p:sldId id="283" r:id="rId24"/>
   </p:sldIdLst>
   <p:sldSz cx="9144000" cy="6858000" type="screen4x3"/>
   <p:notesSz cx="6858000" cy="9144000"/>
@@ -126,7 +128,7 @@
   </p:defaultTextStyle>
   <p:extLst>
     <p:ext uri="{EFAFB233-063F-42B5-8137-9DF3F51BA10A}">
-      <p15:sldGuideLst xmlns:p15="http://schemas.microsoft.com/office/powerpoint/2012/main" xmlns="">
+      <p15:sldGuideLst xmlns="" xmlns:p15="http://schemas.microsoft.com/office/powerpoint/2012/main">
         <p15:guide id="1" orient="horz" pos="2160">
           <p15:clr>
             <a:srgbClr val="A4A3A4"/>
@@ -4161,7 +4163,15 @@
           <a:p>
             <a:r>
               <a:rPr lang="en-US" dirty="0" smtClean="0"/>
-              <a:t>Defending Against Man-in-the-Middle Attacks on AODV Routing</a:t>
+              <a:t>Defending Against </a:t>
+            </a:r>
+            <a:r>
+              <a:rPr lang="en-US" dirty="0" smtClean="0"/>
+              <a:t>Black Hole </a:t>
+            </a:r>
+            <a:r>
+              <a:rPr lang="en-US" dirty="0" smtClean="0"/>
+              <a:t>Attacks on AODV Routing</a:t>
             </a:r>
             <a:endParaRPr lang="en-US" dirty="0"/>
           </a:p>
@@ -4630,7 +4640,7 @@
           <a:p>
             <a:r>
               <a:rPr lang="en-US" dirty="0" smtClean="0"/>
-              <a:t>Defensive Goals</a:t>
+              <a:t>Related Work</a:t>
             </a:r>
             <a:endParaRPr lang="en-US" dirty="0"/>
           </a:p>
@@ -4651,61 +4661,20 @@
           <a:bodyPr/>
           <a:lstStyle/>
           <a:p>
-            <a:r>
-              <a:rPr lang="en-US" dirty="0" smtClean="0"/>
-              <a:t>Primary Objective</a:t>
-            </a:r>
-          </a:p>
-          <a:p>
-            <a:pPr lvl="1"/>
-            <a:r>
-              <a:rPr lang="en-US" dirty="0" smtClean="0"/>
-              <a:t>Detect whether or not packets reach their destination. Pick a new route if too many packets are being dropped.</a:t>
-            </a:r>
-            <a:endParaRPr lang="en-US" dirty="0" smtClean="0"/>
-          </a:p>
-          <a:p>
-            <a:pPr lvl="1"/>
-            <a:endParaRPr lang="en-US" dirty="0"/>
-          </a:p>
-          <a:p>
-            <a:r>
-              <a:rPr lang="en-US" dirty="0" smtClean="0"/>
-              <a:t>Secondary </a:t>
-            </a:r>
-            <a:r>
-              <a:rPr lang="en-US" dirty="0"/>
-              <a:t>Objective</a:t>
-            </a:r>
-            <a:endParaRPr lang="en-US" dirty="0" smtClean="0"/>
-          </a:p>
-          <a:p>
-            <a:pPr lvl="1"/>
-            <a:r>
-              <a:rPr lang="en-US" dirty="0" smtClean="0"/>
-              <a:t>Minimize message complexity in order to reduce network transmissions.</a:t>
-            </a:r>
-            <a:endParaRPr lang="en-US" dirty="0"/>
+            <a:endParaRPr lang="en-US"/>
           </a:p>
         </p:txBody>
       </p:sp>
     </p:spTree>
     <p:extLst>
       <p:ext uri="{BB962C8B-B14F-4D97-AF65-F5344CB8AC3E}">
-        <p14:creationId xmlns:p14="http://schemas.microsoft.com/office/powerpoint/2010/main" val="4127542129"/>
+        <p14:creationId xmlns:p14="http://schemas.microsoft.com/office/powerpoint/2010/main" val="1980332725"/>
       </p:ext>
     </p:extLst>
   </p:cSld>
   <p:clrMapOvr>
     <a:masterClrMapping/>
   </p:clrMapOvr>
-  <p:timing>
-    <p:tnLst>
-      <p:par>
-        <p:cTn id="1" dur="indefinite" restart="never" nodeType="tmRoot"/>
-      </p:par>
-    </p:tnLst>
-  </p:timing>
 </p:sld>
 </file>
 
@@ -4776,7 +4745,7 @@
     </p:spTree>
     <p:extLst>
       <p:ext uri="{BB962C8B-B14F-4D97-AF65-F5344CB8AC3E}">
-        <p14:creationId xmlns:p14="http://schemas.microsoft.com/office/powerpoint/2010/main" val="1980332725"/>
+        <p14:creationId xmlns:p14="http://schemas.microsoft.com/office/powerpoint/2010/main" val="1795935196"/>
       </p:ext>
     </p:extLst>
   </p:cSld>
@@ -4902,7 +4871,7 @@
           <a:p>
             <a:r>
               <a:rPr lang="en-US" dirty="0" smtClean="0"/>
-              <a:t>Related Work</a:t>
+              <a:t>Defensive Goals</a:t>
             </a:r>
             <a:endParaRPr lang="en-US" dirty="0"/>
           </a:p>
@@ -4923,20 +4892,60 @@
           <a:bodyPr/>
           <a:lstStyle/>
           <a:p>
-            <a:endParaRPr lang="en-US"/>
+            <a:r>
+              <a:rPr lang="en-US" dirty="0" smtClean="0"/>
+              <a:t>Primary Objective</a:t>
+            </a:r>
+          </a:p>
+          <a:p>
+            <a:pPr lvl="1"/>
+            <a:r>
+              <a:rPr lang="en-US" dirty="0" smtClean="0"/>
+              <a:t>Detect whether or not packets reach their destination. Pick a new route if too many packets are being dropped.</a:t>
+            </a:r>
+          </a:p>
+          <a:p>
+            <a:pPr lvl="1"/>
+            <a:endParaRPr lang="en-US" dirty="0"/>
+          </a:p>
+          <a:p>
+            <a:r>
+              <a:rPr lang="en-US" dirty="0" smtClean="0"/>
+              <a:t>Secondary </a:t>
+            </a:r>
+            <a:r>
+              <a:rPr lang="en-US" dirty="0"/>
+              <a:t>Objective</a:t>
+            </a:r>
+            <a:endParaRPr lang="en-US" dirty="0" smtClean="0"/>
+          </a:p>
+          <a:p>
+            <a:pPr lvl="1"/>
+            <a:r>
+              <a:rPr lang="en-US" dirty="0" smtClean="0"/>
+              <a:t>Minimize message complexity in order to reduce network transmissions.</a:t>
+            </a:r>
+            <a:endParaRPr lang="en-US" dirty="0"/>
           </a:p>
         </p:txBody>
       </p:sp>
     </p:spTree>
     <p:extLst>
       <p:ext uri="{BB962C8B-B14F-4D97-AF65-F5344CB8AC3E}">
-        <p14:creationId xmlns:p14="http://schemas.microsoft.com/office/powerpoint/2010/main" val="1795935196"/>
+        <p14:creationId xmlns:p14="http://schemas.microsoft.com/office/powerpoint/2010/main" val="4127542129"/>
       </p:ext>
     </p:extLst>
   </p:cSld>
   <p:clrMapOvr>
     <a:masterClrMapping/>
   </p:clrMapOvr>
+  <p:timing>
+    <p:tnLst>
+      <p:par>
+        <p:cTn id="1" dur="indefinite" restart="never" nodeType="tmRoot"/>
+      </p:par>
+    </p:tnLst>
+  </p:timing>
 </p:sld>
 </file>
 
@@ -6268,7 +6277,7 @@
         <p:spPr/>
         <p:txBody>
           <a:bodyPr>
-            <a:normAutofit/>
+            <a:normAutofit lnSpcReduction="10000"/>
           </a:bodyPr>
           <a:lstStyle/>
           <a:p>
@@ -6306,8 +6315,13 @@
           <a:p>
             <a:r>
               <a:rPr lang="en-US" dirty="0" smtClean="0"/>
-              <a:t>Simulation ends after a fixed period of time.</a:t>
-            </a:r>
+              <a:t>Simulation ends after a fixed period of </a:t>
+            </a:r>
+            <a:r>
+              <a:rPr lang="en-US" dirty="0" smtClean="0"/>
+              <a:t>time or fixed number of messages.</a:t>
+            </a:r>
+            <a:endParaRPr lang="en-US" dirty="0" smtClean="0"/>
           </a:p>
         </p:txBody>
       </p:sp>
@@ -6802,18 +6816,88 @@
         <p:spPr/>
         <p:txBody>
           <a:bodyPr>
-            <a:normAutofit/>
+            <a:normAutofit fontScale="85000" lnSpcReduction="20000"/>
           </a:bodyPr>
           <a:lstStyle/>
           <a:p>
             <a:r>
+              <a:rPr lang="en-US" dirty="0"/>
+              <a:t>Y.-C. Hu, A. </a:t>
+            </a:r>
+            <a:r>
+              <a:rPr lang="en-US" dirty="0" err="1"/>
+              <a:t>Perrig</a:t>
+            </a:r>
+            <a:r>
+              <a:rPr lang="en-US" dirty="0"/>
+              <a:t>, and D. Johnson. Wormhole attacks in wireless networks. Selected Areas in Communications, IEEE Journal on, 24(2):370–380, Feb 2006. </a:t>
+            </a:r>
+            <a:endParaRPr lang="en-US" dirty="0" smtClean="0"/>
+          </a:p>
+          <a:p>
+            <a:r>
               <a:rPr lang="en-US" dirty="0" smtClean="0"/>
-              <a:t>Images </a:t>
-            </a:r>
+              <a:t>Y</a:t>
+            </a:r>
+            <a:r>
+              <a:rPr lang="en-US" dirty="0"/>
+              <a:t>.-C. Hu, A. </a:t>
+            </a:r>
+            <a:r>
+              <a:rPr lang="en-US" dirty="0" err="1"/>
+              <a:t>Perrig</a:t>
+            </a:r>
+            <a:r>
+              <a:rPr lang="en-US" dirty="0"/>
+              <a:t>, and D. B. Johnson. Ariadne: A secure on-demand routing protocol for ad hoc networks. </a:t>
+            </a:r>
+            <a:r>
+              <a:rPr lang="en-US" dirty="0" err="1"/>
+              <a:t>Wirel</a:t>
+            </a:r>
+            <a:r>
+              <a:rPr lang="en-US" dirty="0"/>
+              <a:t>. </a:t>
+            </a:r>
+            <a:r>
+              <a:rPr lang="en-US" dirty="0" err="1"/>
+              <a:t>Netw</a:t>
+            </a:r>
+            <a:r>
+              <a:rPr lang="en-US" dirty="0"/>
+              <a:t>., 11(1-2):21–38, Jan. 2005. </a:t>
+            </a:r>
+            <a:endParaRPr lang="en-US" dirty="0" smtClean="0"/>
+          </a:p>
+          <a:p>
             <a:r>
               <a:rPr lang="en-US" dirty="0" smtClean="0"/>
-              <a:t>from openclipart.org</a:t>
-            </a:r>
+              <a:t>P</a:t>
+            </a:r>
+            <a:r>
+              <a:rPr lang="en-US" dirty="0"/>
+              <a:t>. </a:t>
+            </a:r>
+            <a:r>
+              <a:rPr lang="en-US" dirty="0" err="1"/>
+              <a:t>Ning</a:t>
+            </a:r>
+            <a:r>
+              <a:rPr lang="en-US" dirty="0"/>
+              <a:t> and K. Sun. How to misuse AODV: a case study of insider attacks against mobile ad-hoc routing protocols. Ad Hoc Networks, 3(6):795 – 819, 2005. </a:t>
+            </a:r>
+            <a:endParaRPr lang="en-US" dirty="0" smtClean="0"/>
+          </a:p>
+          <a:p>
+            <a:r>
+              <a:rPr lang="en-US" dirty="0" smtClean="0"/>
+              <a:t>C</a:t>
+            </a:r>
+            <a:r>
+              <a:rPr lang="en-US" dirty="0"/>
+              <a:t>. Perkins and E. Royer. Ad-hoc on-demand distance vector routing. In Mobile Computing Systems and Applications, 1999. Proceedings. WMCSA ’99. Second IEEE Workshop on, pages 90–100, Feb 1999. </a:t>
+            </a:r>
+            <a:endParaRPr lang="en-US" dirty="0" smtClean="0"/>
           </a:p>
           <a:p>
             <a:pPr marL="109728" indent="0">
@@ -6827,6 +6911,540 @@
     <p:extLst>
       <p:ext uri="{BB962C8B-B14F-4D97-AF65-F5344CB8AC3E}">
         <p14:creationId xmlns:p14="http://schemas.microsoft.com/office/powerpoint/2010/main" val="3298695895"/>
+      </p:ext>
+    </p:extLst>
+  </p:cSld>
+  <p:clrMapOvr>
+    <a:masterClrMapping/>
+  </p:clrMapOvr>
+  <p:timing>
+    <p:tnLst>
+      <p:par>
+        <p:cTn id="1" dur="indefinite" restart="never" nodeType="tmRoot"/>
+      </p:par>
+    </p:tnLst>
+  </p:timing>
+</p:sld>
+</file>
+
+<file path=ppt/slides/slide22.xml><?xml version="1.0" encoding="utf-8"?>
+<p:sld xmlns:a="http://schemas.openxmlformats.org/drawingml/2006/main" xmlns:r="http://schemas.openxmlformats.org/officeDocument/2006/relationships" xmlns:p="http://schemas.openxmlformats.org/presentationml/2006/main">
+  <p:cSld>
+    <p:spTree>
+      <p:nvGrpSpPr>
+        <p:cNvPr id="1" name=""/>
+        <p:cNvGrpSpPr/>
+        <p:nvPr/>
+      </p:nvGrpSpPr>
+      <p:grpSpPr>
+        <a:xfrm>
+          <a:off x="0" y="0"/>
+          <a:ext cx="0" cy="0"/>
+          <a:chOff x="0" y="0"/>
+          <a:chExt cx="0" cy="0"/>
+        </a:xfrm>
+      </p:grpSpPr>
+      <p:sp>
+        <p:nvSpPr>
+          <p:cNvPr id="2" name="Title 1"/>
+          <p:cNvSpPr>
+            <a:spLocks noGrp="1"/>
+          </p:cNvSpPr>
+          <p:nvPr>
+            <p:ph type="title"/>
+          </p:nvPr>
+        </p:nvSpPr>
+        <p:spPr>
+          <a:xfrm>
+            <a:off x="457200" y="838200"/>
+            <a:ext cx="8229600" cy="1066800"/>
+          </a:xfrm>
+        </p:spPr>
+        <p:txBody>
+          <a:bodyPr/>
+          <a:lstStyle/>
+          <a:p>
+            <a:r>
+              <a:rPr lang="en-US" dirty="0" smtClean="0"/>
+              <a:t>Sources</a:t>
+            </a:r>
+            <a:endParaRPr lang="en-US" dirty="0"/>
+          </a:p>
+        </p:txBody>
+      </p:sp>
+      <p:sp>
+        <p:nvSpPr>
+          <p:cNvPr id="3" name="Content Placeholder 2"/>
+          <p:cNvSpPr>
+            <a:spLocks noGrp="1"/>
+          </p:cNvSpPr>
+          <p:nvPr>
+            <p:ph idx="1"/>
+          </p:nvPr>
+        </p:nvSpPr>
+        <p:spPr/>
+        <p:txBody>
+          <a:bodyPr>
+            <a:normAutofit fontScale="70000" lnSpcReduction="20000"/>
+          </a:bodyPr>
+          <a:lstStyle/>
+          <a:p>
+            <a:r>
+              <a:rPr lang="en-US" dirty="0" smtClean="0"/>
+              <a:t>R</a:t>
+            </a:r>
+            <a:r>
+              <a:rPr lang="en-US" dirty="0"/>
+              <a:t>. Rao and G. </a:t>
+            </a:r>
+            <a:r>
+              <a:rPr lang="en-US" dirty="0" err="1"/>
+              <a:t>Kesidis</a:t>
+            </a:r>
+            <a:r>
+              <a:rPr lang="en-US" dirty="0"/>
+              <a:t>. Detecting malicious packet dropping using statistically regular traffic patterns in </a:t>
+            </a:r>
+            <a:r>
+              <a:rPr lang="en-US" dirty="0" err="1"/>
+              <a:t>multihop</a:t>
+            </a:r>
+            <a:r>
+              <a:rPr lang="en-US" dirty="0"/>
+              <a:t> wireless networks that are not bandwidth limited. In Global Telecommunications Conference, 2003. GLOBECOM ’03. IEEE, volume 5, pages 2957–2961 vol.5, Dec 2003. </a:t>
+            </a:r>
+            <a:endParaRPr lang="en-US" dirty="0" smtClean="0"/>
+          </a:p>
+          <a:p>
+            <a:r>
+              <a:rPr lang="en-US" dirty="0" smtClean="0"/>
+              <a:t>K</a:t>
+            </a:r>
+            <a:r>
+              <a:rPr lang="en-US" dirty="0"/>
+              <a:t>. </a:t>
+            </a:r>
+            <a:r>
+              <a:rPr lang="en-US" dirty="0" err="1"/>
+              <a:t>Sanzgiri</a:t>
+            </a:r>
+            <a:r>
+              <a:rPr lang="en-US" dirty="0"/>
+              <a:t>, B. </a:t>
+            </a:r>
+            <a:r>
+              <a:rPr lang="en-US" dirty="0" err="1"/>
+              <a:t>Dahill</a:t>
+            </a:r>
+            <a:r>
+              <a:rPr lang="en-US" dirty="0"/>
+              <a:t>, B. Levine, C. Shields, and E. Belding-Royer. A secure routing protocol for ad hoc networks. In Network Protocols, 2002. Proceedings. 10th IEEE International Conference on, pages 78– 87, Nov 2002. </a:t>
+            </a:r>
+            <a:endParaRPr lang="en-US" dirty="0" smtClean="0"/>
+          </a:p>
+          <a:p>
+            <a:r>
+              <a:rPr lang="en-US" dirty="0" smtClean="0"/>
+              <a:t>C</a:t>
+            </a:r>
+            <a:r>
+              <a:rPr lang="en-US" dirty="0"/>
+              <a:t>.-Y. Tseng, P. </a:t>
+            </a:r>
+            <a:r>
+              <a:rPr lang="en-US" dirty="0" err="1"/>
+              <a:t>Balasubramanyam</a:t>
+            </a:r>
+            <a:r>
+              <a:rPr lang="en-US" dirty="0"/>
+              <a:t>, C. </a:t>
+            </a:r>
+            <a:r>
+              <a:rPr lang="en-US" dirty="0" err="1"/>
+              <a:t>Ko</a:t>
+            </a:r>
+            <a:r>
+              <a:rPr lang="en-US" dirty="0"/>
+              <a:t>, R. </a:t>
+            </a:r>
+            <a:r>
+              <a:rPr lang="en-US" dirty="0" err="1"/>
+              <a:t>Limprasittiporn</a:t>
+            </a:r>
+            <a:r>
+              <a:rPr lang="en-US" dirty="0"/>
+              <a:t>, J. Rowe, and K. Levitt. A Specification-based Intrusion Detection System for AODV. In Proceedings of the 1st ACM Workshop on Security of Ad Hoc and Sensor Networks, SASN ’03, pages 125–134, New York, NY, USA, 2003. ACM. </a:t>
+            </a:r>
+            <a:endParaRPr lang="en-US" dirty="0" smtClean="0"/>
+          </a:p>
+          <a:p>
+            <a:r>
+              <a:rPr lang="en-US" dirty="0" smtClean="0"/>
+              <a:t>L</a:t>
+            </a:r>
+            <a:r>
+              <a:rPr lang="en-US" dirty="0"/>
+              <a:t>. Zhou and Z. Haas. Securing ad hoc networks. Network, IEEE, 13(6):24–30, Nov 1999. </a:t>
+            </a:r>
+            <a:endParaRPr lang="en-US" dirty="0"/>
+          </a:p>
+        </p:txBody>
+      </p:sp>
+    </p:spTree>
+    <p:extLst>
+      <p:ext uri="{BB962C8B-B14F-4D97-AF65-F5344CB8AC3E}">
+        <p14:creationId xmlns:p14="http://schemas.microsoft.com/office/powerpoint/2010/main" val="2756255293"/>
+      </p:ext>
+    </p:extLst>
+  </p:cSld>
+  <p:clrMapOvr>
+    <a:masterClrMapping/>
+  </p:clrMapOvr>
+  <p:timing>
+    <p:tnLst>
+      <p:par>
+        <p:cTn id="1" dur="indefinite" restart="never" nodeType="tmRoot"/>
+      </p:par>
+    </p:tnLst>
+  </p:timing>
+</p:sld>
+</file>
+
+<file path=ppt/slides/slide23.xml><?xml version="1.0" encoding="utf-8"?>
+<p:sld xmlns:a="http://schemas.openxmlformats.org/drawingml/2006/main" xmlns:r="http://schemas.openxmlformats.org/officeDocument/2006/relationships" xmlns:p="http://schemas.openxmlformats.org/presentationml/2006/main">
+  <p:cSld>
+    <p:spTree>
+      <p:nvGrpSpPr>
+        <p:cNvPr id="1" name=""/>
+        <p:cNvGrpSpPr/>
+        <p:nvPr/>
+      </p:nvGrpSpPr>
+      <p:grpSpPr>
+        <a:xfrm>
+          <a:off x="0" y="0"/>
+          <a:ext cx="0" cy="0"/>
+          <a:chOff x="0" y="0"/>
+          <a:chExt cx="0" cy="0"/>
+        </a:xfrm>
+      </p:grpSpPr>
+      <p:sp>
+        <p:nvSpPr>
+          <p:cNvPr id="2" name="Title 1"/>
+          <p:cNvSpPr>
+            <a:spLocks noGrp="1"/>
+          </p:cNvSpPr>
+          <p:nvPr>
+            <p:ph type="title"/>
+          </p:nvPr>
+        </p:nvSpPr>
+        <p:spPr>
+          <a:xfrm>
+            <a:off x="457200" y="838200"/>
+            <a:ext cx="8229600" cy="1066800"/>
+          </a:xfrm>
+        </p:spPr>
+        <p:txBody>
+          <a:bodyPr/>
+          <a:lstStyle/>
+          <a:p>
+            <a:r>
+              <a:rPr lang="en-US" dirty="0" smtClean="0"/>
+              <a:t>Sources</a:t>
+            </a:r>
+            <a:endParaRPr lang="en-US" dirty="0"/>
+          </a:p>
+        </p:txBody>
+      </p:sp>
+      <p:sp>
+        <p:nvSpPr>
+          <p:cNvPr id="3" name="Content Placeholder 2"/>
+          <p:cNvSpPr>
+            <a:spLocks noGrp="1"/>
+          </p:cNvSpPr>
+          <p:nvPr>
+            <p:ph idx="1"/>
+          </p:nvPr>
+        </p:nvSpPr>
+        <p:spPr/>
+        <p:txBody>
+          <a:bodyPr>
+            <a:normAutofit/>
+          </a:bodyPr>
+          <a:lstStyle/>
+          <a:p>
+            <a:r>
+              <a:rPr lang="en-US" dirty="0" smtClean="0"/>
+              <a:t>Images </a:t>
+            </a:r>
+            <a:r>
+              <a:rPr lang="en-US" dirty="0" smtClean="0"/>
+              <a:t>from </a:t>
+            </a:r>
+            <a:r>
+              <a:rPr lang="en-US" dirty="0" smtClean="0"/>
+              <a:t>openclipart.org</a:t>
+            </a:r>
+            <a:endParaRPr lang="en-US" dirty="0"/>
+          </a:p>
+          <a:p>
+            <a:pPr lvl="1"/>
+            <a:r>
+              <a:rPr lang="en-US" dirty="0" smtClean="0"/>
+              <a:t>Including the adorable trash cans.</a:t>
+            </a:r>
+          </a:p>
+        </p:txBody>
+      </p:sp>
+      <p:pic>
+        <p:nvPicPr>
+          <p:cNvPr id="4" name="Picture 8" descr="Trash Can by Andy"/>
+          <p:cNvPicPr>
+            <a:picLocks noChangeAspect="1" noChangeArrowheads="1"/>
+          </p:cNvPicPr>
+          <p:nvPr/>
+        </p:nvPicPr>
+        <p:blipFill>
+          <a:blip r:embed="rId2" cstate="print">
+            <a:extLst>
+              <a:ext uri="{28A0092B-C50C-407E-A947-70E740481C1C}">
+                <a14:useLocalDpi xmlns:a14="http://schemas.microsoft.com/office/drawing/2010/main" val="0"/>
+              </a:ext>
+            </a:extLst>
+          </a:blip>
+          <a:srcRect/>
+          <a:stretch>
+            <a:fillRect/>
+          </a:stretch>
+        </p:blipFill>
+        <p:spPr bwMode="auto">
+          <a:xfrm>
+            <a:off x="3507623" y="3955473"/>
+            <a:ext cx="919972" cy="1039525"/>
+          </a:xfrm>
+          <a:prstGeom prst="rect">
+            <a:avLst/>
+          </a:prstGeom>
+          <a:noFill/>
+          <a:extLst>
+            <a:ext uri="{909E8E84-426E-40DD-AFC4-6F175D3DCCD1}">
+              <a14:hiddenFill xmlns:a14="http://schemas.microsoft.com/office/drawing/2010/main">
+                <a:solidFill>
+                  <a:srgbClr val="FFFFFF"/>
+                </a:solidFill>
+              </a14:hiddenFill>
+            </a:ext>
+          </a:extLst>
+        </p:spPr>
+      </p:pic>
+      <p:pic>
+        <p:nvPicPr>
+          <p:cNvPr id="5" name="Picture 8" descr="Trash Can by Andy"/>
+          <p:cNvPicPr>
+            <a:picLocks noChangeAspect="1" noChangeArrowheads="1"/>
+          </p:cNvPicPr>
+          <p:nvPr/>
+        </p:nvPicPr>
+        <p:blipFill>
+          <a:blip r:embed="rId2" cstate="print">
+            <a:extLst>
+              <a:ext uri="{28A0092B-C50C-407E-A947-70E740481C1C}">
+                <a14:useLocalDpi xmlns:a14="http://schemas.microsoft.com/office/drawing/2010/main" val="0"/>
+              </a:ext>
+            </a:extLst>
+          </a:blip>
+          <a:srcRect/>
+          <a:stretch>
+            <a:fillRect/>
+          </a:stretch>
+        </p:blipFill>
+        <p:spPr bwMode="auto">
+          <a:xfrm>
+            <a:off x="1143000" y="3421225"/>
+            <a:ext cx="919972" cy="1039525"/>
+          </a:xfrm>
+          <a:prstGeom prst="rect">
+            <a:avLst/>
+          </a:prstGeom>
+          <a:noFill/>
+          <a:extLst>
+            <a:ext uri="{909E8E84-426E-40DD-AFC4-6F175D3DCCD1}">
+              <a14:hiddenFill xmlns:a14="http://schemas.microsoft.com/office/drawing/2010/main">
+                <a:solidFill>
+                  <a:srgbClr val="FFFFFF"/>
+                </a:solidFill>
+              </a14:hiddenFill>
+            </a:ext>
+          </a:extLst>
+        </p:spPr>
+      </p:pic>
+      <p:pic>
+        <p:nvPicPr>
+          <p:cNvPr id="6" name="Picture 8" descr="Trash Can by Andy"/>
+          <p:cNvPicPr>
+            <a:picLocks noChangeAspect="1" noChangeArrowheads="1"/>
+          </p:cNvPicPr>
+          <p:nvPr/>
+        </p:nvPicPr>
+        <p:blipFill>
+          <a:blip r:embed="rId2" cstate="print">
+            <a:extLst>
+              <a:ext uri="{28A0092B-C50C-407E-A947-70E740481C1C}">
+                <a14:useLocalDpi xmlns:a14="http://schemas.microsoft.com/office/drawing/2010/main" val="0"/>
+              </a:ext>
+            </a:extLst>
+          </a:blip>
+          <a:srcRect/>
+          <a:stretch>
+            <a:fillRect/>
+          </a:stretch>
+        </p:blipFill>
+        <p:spPr bwMode="auto">
+          <a:xfrm>
+            <a:off x="2590800" y="4876800"/>
+            <a:ext cx="919972" cy="1039525"/>
+          </a:xfrm>
+          <a:prstGeom prst="rect">
+            <a:avLst/>
+          </a:prstGeom>
+          <a:noFill/>
+          <a:extLst>
+            <a:ext uri="{909E8E84-426E-40DD-AFC4-6F175D3DCCD1}">
+              <a14:hiddenFill xmlns:a14="http://schemas.microsoft.com/office/drawing/2010/main">
+                <a:solidFill>
+                  <a:srgbClr val="FFFFFF"/>
+                </a:solidFill>
+              </a14:hiddenFill>
+            </a:ext>
+          </a:extLst>
+        </p:spPr>
+      </p:pic>
+      <p:pic>
+        <p:nvPicPr>
+          <p:cNvPr id="7" name="Picture 8" descr="Trash Can by Andy"/>
+          <p:cNvPicPr>
+            <a:picLocks noChangeAspect="1" noChangeArrowheads="1"/>
+          </p:cNvPicPr>
+          <p:nvPr/>
+        </p:nvPicPr>
+        <p:blipFill>
+          <a:blip r:embed="rId2" cstate="print">
+            <a:extLst>
+              <a:ext uri="{28A0092B-C50C-407E-A947-70E740481C1C}">
+                <a14:useLocalDpi xmlns:a14="http://schemas.microsoft.com/office/drawing/2010/main" val="0"/>
+              </a:ext>
+            </a:extLst>
+          </a:blip>
+          <a:srcRect/>
+          <a:stretch>
+            <a:fillRect/>
+          </a:stretch>
+        </p:blipFill>
+        <p:spPr bwMode="auto">
+          <a:xfrm>
+            <a:off x="4915216" y="3235232"/>
+            <a:ext cx="919972" cy="1039525"/>
+          </a:xfrm>
+          <a:prstGeom prst="rect">
+            <a:avLst/>
+          </a:prstGeom>
+          <a:noFill/>
+          <a:extLst>
+            <a:ext uri="{909E8E84-426E-40DD-AFC4-6F175D3DCCD1}">
+              <a14:hiddenFill xmlns:a14="http://schemas.microsoft.com/office/drawing/2010/main">
+                <a:solidFill>
+                  <a:srgbClr val="FFFFFF"/>
+                </a:solidFill>
+              </a14:hiddenFill>
+            </a:ext>
+          </a:extLst>
+        </p:spPr>
+      </p:pic>
+      <p:pic>
+        <p:nvPicPr>
+          <p:cNvPr id="8" name="Picture 8" descr="Trash Can by Andy"/>
+          <p:cNvPicPr>
+            <a:picLocks noChangeAspect="1" noChangeArrowheads="1"/>
+          </p:cNvPicPr>
+          <p:nvPr/>
+        </p:nvPicPr>
+        <p:blipFill>
+          <a:blip r:embed="rId2" cstate="print">
+            <a:extLst>
+              <a:ext uri="{28A0092B-C50C-407E-A947-70E740481C1C}">
+                <a14:useLocalDpi xmlns:a14="http://schemas.microsoft.com/office/drawing/2010/main" val="0"/>
+              </a:ext>
+            </a:extLst>
+          </a:blip>
+          <a:srcRect/>
+          <a:stretch>
+            <a:fillRect/>
+          </a:stretch>
+        </p:blipFill>
+        <p:spPr bwMode="auto">
+          <a:xfrm>
+            <a:off x="5334000" y="4800600"/>
+            <a:ext cx="919972" cy="1039525"/>
+          </a:xfrm>
+          <a:prstGeom prst="rect">
+            <a:avLst/>
+          </a:prstGeom>
+          <a:noFill/>
+          <a:extLst>
+            <a:ext uri="{909E8E84-426E-40DD-AFC4-6F175D3DCCD1}">
+              <a14:hiddenFill xmlns:a14="http://schemas.microsoft.com/office/drawing/2010/main">
+                <a:solidFill>
+                  <a:srgbClr val="FFFFFF"/>
+                </a:solidFill>
+              </a14:hiddenFill>
+            </a:ext>
+          </a:extLst>
+        </p:spPr>
+      </p:pic>
+      <p:pic>
+        <p:nvPicPr>
+          <p:cNvPr id="9" name="Picture 8" descr="Trash Can by Andy"/>
+          <p:cNvPicPr>
+            <a:picLocks noChangeAspect="1" noChangeArrowheads="1"/>
+          </p:cNvPicPr>
+          <p:nvPr/>
+        </p:nvPicPr>
+        <p:blipFill>
+          <a:blip r:embed="rId2" cstate="print">
+            <a:extLst>
+              <a:ext uri="{28A0092B-C50C-407E-A947-70E740481C1C}">
+                <a14:useLocalDpi xmlns:a14="http://schemas.microsoft.com/office/drawing/2010/main" val="0"/>
+              </a:ext>
+            </a:extLst>
+          </a:blip>
+          <a:srcRect/>
+          <a:stretch>
+            <a:fillRect/>
+          </a:stretch>
+        </p:blipFill>
+        <p:spPr bwMode="auto">
+          <a:xfrm>
+            <a:off x="6781800" y="3505200"/>
+            <a:ext cx="919972" cy="1039525"/>
+          </a:xfrm>
+          <a:prstGeom prst="rect">
+            <a:avLst/>
+          </a:prstGeom>
+          <a:noFill/>
+          <a:extLst>
+            <a:ext uri="{909E8E84-426E-40DD-AFC4-6F175D3DCCD1}">
+              <a14:hiddenFill xmlns:a14="http://schemas.microsoft.com/office/drawing/2010/main">
+                <a:solidFill>
+                  <a:srgbClr val="FFFFFF"/>
+                </a:solidFill>
+              </a14:hiddenFill>
+            </a:ext>
+          </a:extLst>
+        </p:spPr>
+      </p:pic>
+    </p:spTree>
+    <p:extLst>
+      <p:ext uri="{BB962C8B-B14F-4D97-AF65-F5344CB8AC3E}">
+        <p14:creationId xmlns:p14="http://schemas.microsoft.com/office/powerpoint/2010/main" val="335692599"/>
       </p:ext>
     </p:extLst>
   </p:cSld>
@@ -10765,11 +11383,7 @@
           <a:p>
             <a:r>
               <a:rPr lang="en-US" dirty="0" smtClean="0"/>
-              <a:t>Wormhole Attack </a:t>
-            </a:r>
-            <a:r>
-              <a:rPr lang="en-US" dirty="0" smtClean="0"/>
-              <a:t>(Initial Conditions)</a:t>
+              <a:t>Wormhole Attack (Initial Conditions)</a:t>
             </a:r>
             <a:endParaRPr lang="en-US" dirty="0"/>
           </a:p>
@@ -10804,7 +11418,27 @@
             </a:r>
             <a:r>
               <a:rPr lang="en-US" dirty="0" smtClean="0"/>
-              <a:t> by an adversary. </a:t>
+              <a:t> </a:t>
+            </a:r>
+            <a:r>
+              <a:rPr lang="en-US" dirty="0" smtClean="0"/>
+              <a:t>or </a:t>
+            </a:r>
+            <a:r>
+              <a:rPr lang="en-US" dirty="0" smtClean="0">
+                <a:solidFill>
+                  <a:srgbClr val="FF0000"/>
+                </a:solidFill>
+              </a:rPr>
+              <a:t>captured</a:t>
+            </a:r>
+            <a:r>
+              <a:rPr lang="en-US" dirty="0" smtClean="0"/>
+              <a:t> by </a:t>
+            </a:r>
+            <a:r>
+              <a:rPr lang="en-US" dirty="0" smtClean="0"/>
+              <a:t>an adversary. </a:t>
             </a:r>
             <a:r>
               <a:rPr lang="en-US" i="1" dirty="0" smtClean="0"/>
@@ -11682,15 +12316,7 @@
           <a:p>
             <a:r>
               <a:rPr lang="en-US" dirty="0" smtClean="0"/>
-              <a:t>Each</a:t>
-            </a:r>
-            <a:r>
-              <a:rPr lang="en-US" dirty="0" smtClean="0"/>
-              <a:t> </a:t>
-            </a:r>
-            <a:r>
-              <a:rPr lang="en-US" dirty="0" smtClean="0"/>
-              <a:t>pair of </a:t>
+              <a:t>Each pair of </a:t>
             </a:r>
             <a:r>
               <a:rPr lang="en-US" dirty="0" smtClean="0">
@@ -11698,19 +12324,15 @@
                   <a:srgbClr val="FF0000"/>
                 </a:solidFill>
               </a:rPr>
-              <a:t>deployed enemy nodes</a:t>
+              <a:t>enemy nodes</a:t>
             </a:r>
             <a:r>
               <a:rPr lang="en-US" dirty="0" smtClean="0"/>
-              <a:t> creates </a:t>
+              <a:t> </a:t>
             </a:r>
             <a:r>
               <a:rPr lang="en-US" dirty="0" smtClean="0"/>
-              <a:t>a </a:t>
-            </a:r>
-            <a:r>
-              <a:rPr lang="en-US" dirty="0" smtClean="0"/>
-              <a:t>tunnel using long-range directional antennas (to offer the shortest path for many routes).</a:t>
+              <a:t>creates a tunnel using long-range directional antennas (to offer the shortest path for many routes).</a:t>
             </a:r>
             <a:endParaRPr lang="en-US" dirty="0"/>
           </a:p>
@@ -12754,7 +13376,6 @@
               <a:rPr lang="en-US" dirty="0"/>
               <a:t>Hole Attack (Exploitation)</a:t>
             </a:r>
-            <a:endParaRPr lang="en-US" dirty="0"/>
           </a:p>
         </p:txBody>
       </p:sp>
@@ -12789,7 +13410,6 @@
               <a:rPr lang="en-US" dirty="0"/>
               <a:t>drop all packets rather than forwarding them.</a:t>
             </a:r>
-            <a:endParaRPr lang="en-US" dirty="0"/>
           </a:p>
         </p:txBody>
       </p:sp>

--- a/final_presentation/final_presentation.pptx
+++ b/final_presentation/final_presentation.pptx
@@ -128,7 +128,7 @@
   </p:defaultTextStyle>
   <p:extLst>
     <p:ext uri="{EFAFB233-063F-42B5-8137-9DF3F51BA10A}">
-      <p15:sldGuideLst xmlns="" xmlns:p15="http://schemas.microsoft.com/office/powerpoint/2012/main">
+      <p15:sldGuideLst xmlns:p15="http://schemas.microsoft.com/office/powerpoint/2012/main">
         <p15:guide id="1" orient="horz" pos="2160">
           <p15:clr>
             <a:srgbClr val="A4A3A4"/>
@@ -803,7 +803,7 @@
           <a:p>
             <a:fld id="{D8241D4F-CEAE-4E87-BB6C-9D1407A62382}" type="datetimeFigureOut">
               <a:rPr lang="en-US" smtClean="0"/>
-              <a:t>5/1/2015</a:t>
+              <a:t>5/2/2015</a:t>
             </a:fld>
             <a:endParaRPr lang="en-US"/>
           </a:p>
@@ -986,7 +986,7 @@
           <a:p>
             <a:fld id="{D8241D4F-CEAE-4E87-BB6C-9D1407A62382}" type="datetimeFigureOut">
               <a:rPr lang="en-US" smtClean="0"/>
-              <a:t>5/1/2015</a:t>
+              <a:t>5/2/2015</a:t>
             </a:fld>
             <a:endParaRPr lang="en-US"/>
           </a:p>
@@ -1161,7 +1161,7 @@
           <a:p>
             <a:fld id="{D8241D4F-CEAE-4E87-BB6C-9D1407A62382}" type="datetimeFigureOut">
               <a:rPr lang="en-US" smtClean="0"/>
-              <a:t>5/1/2015</a:t>
+              <a:t>5/2/2015</a:t>
             </a:fld>
             <a:endParaRPr lang="en-US"/>
           </a:p>
@@ -1326,7 +1326,7 @@
           <a:p>
             <a:fld id="{D8241D4F-CEAE-4E87-BB6C-9D1407A62382}" type="datetimeFigureOut">
               <a:rPr lang="en-US" smtClean="0"/>
-              <a:t>5/1/2015</a:t>
+              <a:t>5/2/2015</a:t>
             </a:fld>
             <a:endParaRPr lang="en-US"/>
           </a:p>
@@ -1547,7 +1547,7 @@
           <a:p>
             <a:fld id="{D8241D4F-CEAE-4E87-BB6C-9D1407A62382}" type="datetimeFigureOut">
               <a:rPr lang="en-US" smtClean="0"/>
-              <a:t>5/1/2015</a:t>
+              <a:t>5/2/2015</a:t>
             </a:fld>
             <a:endParaRPr lang="en-US"/>
           </a:p>
@@ -1806,7 +1806,7 @@
           <a:p>
             <a:fld id="{D8241D4F-CEAE-4E87-BB6C-9D1407A62382}" type="datetimeFigureOut">
               <a:rPr lang="en-US" smtClean="0"/>
-              <a:t>5/1/2015</a:t>
+              <a:t>5/2/2015</a:t>
             </a:fld>
             <a:endParaRPr lang="en-US"/>
           </a:p>
@@ -2210,7 +2210,7 @@
           <a:p>
             <a:fld id="{D8241D4F-CEAE-4E87-BB6C-9D1407A62382}" type="datetimeFigureOut">
               <a:rPr lang="en-US" smtClean="0"/>
-              <a:t>5/1/2015</a:t>
+              <a:t>5/2/2015</a:t>
             </a:fld>
             <a:endParaRPr lang="en-US"/>
           </a:p>
@@ -2341,7 +2341,7 @@
           <a:p>
             <a:fld id="{D8241D4F-CEAE-4E87-BB6C-9D1407A62382}" type="datetimeFigureOut">
               <a:rPr lang="en-US" smtClean="0"/>
-              <a:t>5/1/2015</a:t>
+              <a:t>5/2/2015</a:t>
             </a:fld>
             <a:endParaRPr lang="en-US"/>
           </a:p>
@@ -2441,7 +2441,7 @@
           <a:p>
             <a:fld id="{D8241D4F-CEAE-4E87-BB6C-9D1407A62382}" type="datetimeFigureOut">
               <a:rPr lang="en-US" smtClean="0"/>
-              <a:t>5/1/2015</a:t>
+              <a:t>5/2/2015</a:t>
             </a:fld>
             <a:endParaRPr lang="en-US"/>
           </a:p>
@@ -2686,7 +2686,7 @@
           <a:p>
             <a:fld id="{D8241D4F-CEAE-4E87-BB6C-9D1407A62382}" type="datetimeFigureOut">
               <a:rPr lang="en-US" smtClean="0"/>
-              <a:t>5/1/2015</a:t>
+              <a:t>5/2/2015</a:t>
             </a:fld>
             <a:endParaRPr lang="en-US"/>
           </a:p>
@@ -2930,7 +2930,7 @@
           <a:p>
             <a:fld id="{D8241D4F-CEAE-4E87-BB6C-9D1407A62382}" type="datetimeFigureOut">
               <a:rPr lang="en-US" smtClean="0"/>
-              <a:t>5/1/2015</a:t>
+              <a:t>5/2/2015</a:t>
             </a:fld>
             <a:endParaRPr lang="en-US"/>
           </a:p>
@@ -3754,7 +3754,7 @@
           <a:p>
             <a:fld id="{D8241D4F-CEAE-4E87-BB6C-9D1407A62382}" type="datetimeFigureOut">
               <a:rPr lang="en-US" smtClean="0"/>
-              <a:t>5/1/2015</a:t>
+              <a:t>5/2/2015</a:t>
             </a:fld>
             <a:endParaRPr lang="en-US"/>
           </a:p>
@@ -4163,15 +4163,7 @@
           <a:p>
             <a:r>
               <a:rPr lang="en-US" dirty="0" smtClean="0"/>
-              <a:t>Defending Against </a:t>
-            </a:r>
-            <a:r>
-              <a:rPr lang="en-US" dirty="0" smtClean="0"/>
-              <a:t>Black Hole </a:t>
-            </a:r>
-            <a:r>
-              <a:rPr lang="en-US" dirty="0" smtClean="0"/>
-              <a:t>Attacks on AODV Routing</a:t>
+              <a:t>Defending Against Black Hole Attacks on AODV Routing</a:t>
             </a:r>
             <a:endParaRPr lang="en-US" dirty="0"/>
           </a:p>
@@ -4661,7 +4653,54 @@
           <a:bodyPr/>
           <a:lstStyle/>
           <a:p>
-            <a:endParaRPr lang="en-US"/>
+            <a:r>
+              <a:rPr lang="en-US" dirty="0" smtClean="0"/>
+              <a:t>Authentication based solutions:</a:t>
+            </a:r>
+          </a:p>
+          <a:p>
+            <a:pPr lvl="1"/>
+            <a:r>
+              <a:rPr lang="en-US" dirty="0" smtClean="0"/>
+              <a:t>Examples:</a:t>
+            </a:r>
+            <a:r>
+              <a:rPr lang="en-US" dirty="0" smtClean="0"/>
+              <a:t> Adriane, ARAN</a:t>
+            </a:r>
+          </a:p>
+          <a:p>
+            <a:pPr lvl="1"/>
+            <a:r>
+              <a:rPr lang="en-US" dirty="0" smtClean="0"/>
+              <a:t>Add encryption to message passing.</a:t>
+            </a:r>
+            <a:endParaRPr lang="en-US" dirty="0" smtClean="0"/>
+          </a:p>
+          <a:p>
+            <a:pPr lvl="1"/>
+            <a:r>
+              <a:rPr lang="en-US" dirty="0" smtClean="0"/>
+              <a:t>Allows for very secure communication.</a:t>
+            </a:r>
+          </a:p>
+          <a:p>
+            <a:pPr lvl="1"/>
+            <a:r>
+              <a:rPr lang="en-US" dirty="0" smtClean="0"/>
+              <a:t>Increases computational overhead on participating nodes.</a:t>
+            </a:r>
+          </a:p>
+          <a:p>
+            <a:pPr lvl="1"/>
+            <a:r>
+              <a:rPr lang="en-US" dirty="0" smtClean="0"/>
+              <a:t>Some methods also require centralized authentication.</a:t>
+            </a:r>
+            <a:endParaRPr lang="en-US" dirty="0" smtClean="0"/>
+          </a:p>
+          <a:p>
+            <a:endParaRPr lang="en-US" dirty="0"/>
           </a:p>
         </p:txBody>
       </p:sp>
@@ -4738,7 +4777,33 @@
           <a:bodyPr/>
           <a:lstStyle/>
           <a:p>
-            <a:endParaRPr lang="en-US"/>
+            <a:r>
+              <a:rPr lang="en-US" dirty="0" smtClean="0"/>
+              <a:t>Statistical intrusion detection systems:</a:t>
+            </a:r>
+          </a:p>
+          <a:p>
+            <a:pPr lvl="1"/>
+            <a:r>
+              <a:rPr lang="en-US" dirty="0" smtClean="0"/>
+              <a:t>Monitor normal packet loss due to network congestion.</a:t>
+            </a:r>
+            <a:endParaRPr lang="en-US" dirty="0" smtClean="0"/>
+          </a:p>
+          <a:p>
+            <a:pPr lvl="1"/>
+            <a:r>
+              <a:rPr lang="en-US" dirty="0" smtClean="0"/>
+              <a:t>Differentiates between normal loss and malicious packet dropping.</a:t>
+            </a:r>
+          </a:p>
+          <a:p>
+            <a:pPr lvl="1"/>
+            <a:r>
+              <a:rPr lang="en-US" dirty="0" smtClean="0"/>
+              <a:t>Requires consistent, heavy traffic which might not be present in a lightweight ad hoc network.</a:t>
+            </a:r>
+            <a:endParaRPr lang="en-US" dirty="0"/>
           </a:p>
         </p:txBody>
       </p:sp>
@@ -4815,7 +4880,39 @@
           <a:bodyPr/>
           <a:lstStyle/>
           <a:p>
-            <a:endParaRPr lang="en-US"/>
+            <a:r>
+              <a:rPr lang="en-US" dirty="0" smtClean="0"/>
+              <a:t>Intrusion detection systems via network monitoring devices:</a:t>
+            </a:r>
+          </a:p>
+          <a:p>
+            <a:pPr lvl="1"/>
+            <a:r>
+              <a:rPr lang="en-US" dirty="0" smtClean="0"/>
+              <a:t>Strategically placed devices observe network traffic to identify abnormal behavior.</a:t>
+            </a:r>
+          </a:p>
+          <a:p>
+            <a:pPr lvl="1"/>
+            <a:r>
+              <a:rPr lang="en-US" dirty="0" smtClean="0"/>
+              <a:t>Nodes identified as abnormal are communicated to legitimate nodes and avoided.</a:t>
+            </a:r>
+          </a:p>
+          <a:p>
+            <a:pPr lvl="1"/>
+            <a:r>
+              <a:rPr lang="en-US" dirty="0" smtClean="0"/>
+              <a:t>This can work well for static networks where security is extremely important.</a:t>
+            </a:r>
+          </a:p>
+          <a:p>
+            <a:pPr lvl="1"/>
+            <a:r>
+              <a:rPr lang="en-US" dirty="0" smtClean="0"/>
+              <a:t>Not suited for truly dynamic ad hoc networks.</a:t>
+            </a:r>
+            <a:endParaRPr lang="en-US" dirty="0"/>
           </a:p>
         </p:txBody>
       </p:sp>
@@ -6315,13 +6412,8 @@
           <a:p>
             <a:r>
               <a:rPr lang="en-US" dirty="0" smtClean="0"/>
-              <a:t>Simulation ends after a fixed period of </a:t>
-            </a:r>
-            <a:r>
-              <a:rPr lang="en-US" dirty="0" smtClean="0"/>
-              <a:t>time or fixed number of messages.</a:t>
-            </a:r>
-            <a:endParaRPr lang="en-US" dirty="0" smtClean="0"/>
+              <a:t>Simulation ends after a fixed period of time or fixed number of messages.</a:t>
+            </a:r>
           </a:p>
         </p:txBody>
       </p:sp>
@@ -7086,7 +7178,6 @@
               <a:rPr lang="en-US" dirty="0"/>
               <a:t>. Zhou and Z. Haas. Securing ad hoc networks. Network, IEEE, 13(6):24–30, Nov 1999. </a:t>
             </a:r>
-            <a:endParaRPr lang="en-US" dirty="0"/>
           </a:p>
         </p:txBody>
       </p:sp>
@@ -7174,15 +7265,7 @@
           <a:p>
             <a:r>
               <a:rPr lang="en-US" dirty="0" smtClean="0"/>
-              <a:t>Images </a:t>
-            </a:r>
-            <a:r>
-              <a:rPr lang="en-US" dirty="0" smtClean="0"/>
-              <a:t>from </a:t>
-            </a:r>
-            <a:r>
-              <a:rPr lang="en-US" dirty="0" smtClean="0"/>
-              <a:t>openclipart.org</a:t>
+              <a:t>Images from openclipart.org</a:t>
             </a:r>
             <a:endParaRPr lang="en-US" dirty="0"/>
           </a:p>
@@ -11418,11 +11501,7 @@
             </a:r>
             <a:r>
               <a:rPr lang="en-US" dirty="0" smtClean="0"/>
-              <a:t> </a:t>
-            </a:r>
-            <a:r>
-              <a:rPr lang="en-US" dirty="0" smtClean="0"/>
-              <a:t>or </a:t>
+              <a:t> or </a:t>
             </a:r>
             <a:r>
               <a:rPr lang="en-US" dirty="0" smtClean="0">
@@ -11434,11 +11513,7 @@
             </a:r>
             <a:r>
               <a:rPr lang="en-US" dirty="0" smtClean="0"/>
-              <a:t> by </a:t>
-            </a:r>
-            <a:r>
-              <a:rPr lang="en-US" dirty="0" smtClean="0"/>
-              <a:t>an adversary. </a:t>
+              <a:t> by an adversary. </a:t>
             </a:r>
             <a:r>
               <a:rPr lang="en-US" i="1" dirty="0" smtClean="0"/>
@@ -12328,11 +12403,7 @@
             </a:r>
             <a:r>
               <a:rPr lang="en-US" dirty="0" smtClean="0"/>
-              <a:t> </a:t>
-            </a:r>
-            <a:r>
-              <a:rPr lang="en-US" dirty="0" smtClean="0"/>
-              <a:t>creates a tunnel using long-range directional antennas (to offer the shortest path for many routes).</a:t>
+              <a:t> creates a tunnel using long-range directional antennas (to offer the shortest path for many routes).</a:t>
             </a:r>
             <a:endParaRPr lang="en-US" dirty="0"/>
           </a:p>
